--- a/results/Sim_10.30.2020/Supp_confmat_Raw2.pptx
+++ b/results/Sim_10.30.2020/Supp_confmat_Raw2.pptx
@@ -104,6 +104,11 @@
       </a:defRPr>
     </a:lvl9pPr>
   </p:defaultTextStyle>
+  <p:extLst>
+    <p:ext uri="{EFAFB233-063F-42B5-8137-9DF3F51BA10A}">
+      <p15:sldGuideLst xmlns:p15="http://schemas.microsoft.com/office/powerpoint/2012/main"/>
+    </p:ext>
+  </p:extLst>
 </p:presentation>
 </file>
 
@@ -129,7 +134,7 @@
           <p:cNvPr id="2" name="Title 1">
             <a:extLst>
               <a:ext uri="{FF2B5EF4-FFF2-40B4-BE49-F238E27FC236}">
-                <a16:creationId xmlns:a16="http://schemas.microsoft.com/office/drawing/2014/main" id="{75D29321-2F35-9940-8BD0-42D2AE065B71}"/>
+                <a16:creationId xmlns:a16="http://schemas.microsoft.com/office/drawing/2014/main" id="{F5F70C9C-B61C-5044-9CC9-3247ED19E590}"/>
               </a:ext>
             </a:extLst>
           </p:cNvPr>
@@ -166,7 +171,7 @@
           <p:cNvPr id="3" name="Subtitle 2">
             <a:extLst>
               <a:ext uri="{FF2B5EF4-FFF2-40B4-BE49-F238E27FC236}">
-                <a16:creationId xmlns:a16="http://schemas.microsoft.com/office/drawing/2014/main" id="{AB40DFAF-56A0-EF4F-B60C-C05EF3EBD940}"/>
+                <a16:creationId xmlns:a16="http://schemas.microsoft.com/office/drawing/2014/main" id="{2ECA998D-526A-6A4A-A817-F29606DC1943}"/>
               </a:ext>
             </a:extLst>
           </p:cNvPr>
@@ -236,7 +241,7 @@
           <p:cNvPr id="4" name="Date Placeholder 3">
             <a:extLst>
               <a:ext uri="{FF2B5EF4-FFF2-40B4-BE49-F238E27FC236}">
-                <a16:creationId xmlns:a16="http://schemas.microsoft.com/office/drawing/2014/main" id="{EE97989C-B450-444B-B13D-EC673CABA536}"/>
+                <a16:creationId xmlns:a16="http://schemas.microsoft.com/office/drawing/2014/main" id="{8ECEB86D-60FA-2148-8B2B-44ED298A4BF9}"/>
               </a:ext>
             </a:extLst>
           </p:cNvPr>
@@ -252,7 +257,7 @@
           <a:bodyPr/>
           <a:lstStyle/>
           <a:p>
-            <a:fld id="{AAEA326D-B12F-844A-AB07-2D2FC122FEC9}" type="datetimeFigureOut">
+            <a:fld id="{19538E54-F804-A647-B832-1B6F05594455}" type="datetimeFigureOut">
               <a:rPr lang="en-US" smtClean="0"/>
               <a:t>11/2/20</a:t>
             </a:fld>
@@ -265,7 +270,7 @@
           <p:cNvPr id="5" name="Footer Placeholder 4">
             <a:extLst>
               <a:ext uri="{FF2B5EF4-FFF2-40B4-BE49-F238E27FC236}">
-                <a16:creationId xmlns:a16="http://schemas.microsoft.com/office/drawing/2014/main" id="{C66C6107-14E1-FF4E-A2F4-9A1245EEAB2A}"/>
+                <a16:creationId xmlns:a16="http://schemas.microsoft.com/office/drawing/2014/main" id="{9E718F82-6D4E-9446-A2CC-8E6F77B3B2CB}"/>
               </a:ext>
             </a:extLst>
           </p:cNvPr>
@@ -290,7 +295,7 @@
           <p:cNvPr id="6" name="Slide Number Placeholder 5">
             <a:extLst>
               <a:ext uri="{FF2B5EF4-FFF2-40B4-BE49-F238E27FC236}">
-                <a16:creationId xmlns:a16="http://schemas.microsoft.com/office/drawing/2014/main" id="{D556EEDF-AE09-7A47-967E-4039BC62F2BE}"/>
+                <a16:creationId xmlns:a16="http://schemas.microsoft.com/office/drawing/2014/main" id="{90B1ACAD-B38B-5540-8214-7CC4F78E47D4}"/>
               </a:ext>
             </a:extLst>
           </p:cNvPr>
@@ -306,7 +311,7 @@
           <a:bodyPr/>
           <a:lstStyle/>
           <a:p>
-            <a:fld id="{2017ADA1-91BB-FB41-9A2C-D2AE2D39DF23}" type="slidenum">
+            <a:fld id="{08B9B1B8-A425-3E44-B80D-44A772919908}" type="slidenum">
               <a:rPr lang="en-US" smtClean="0"/>
               <a:t>‹#›</a:t>
             </a:fld>
@@ -317,7 +322,7 @@
     </p:spTree>
     <p:extLst>
       <p:ext uri="{BB962C8B-B14F-4D97-AF65-F5344CB8AC3E}">
-        <p14:creationId xmlns:p14="http://schemas.microsoft.com/office/powerpoint/2010/main" val="1617434141"/>
+        <p14:creationId xmlns:p14="http://schemas.microsoft.com/office/powerpoint/2010/main" val="2126719255"/>
       </p:ext>
     </p:extLst>
   </p:cSld>
@@ -349,7 +354,7 @@
           <p:cNvPr id="2" name="Title 1">
             <a:extLst>
               <a:ext uri="{FF2B5EF4-FFF2-40B4-BE49-F238E27FC236}">
-                <a16:creationId xmlns:a16="http://schemas.microsoft.com/office/drawing/2014/main" id="{195FACF1-F0A7-5B48-A751-C260AF2DC202}"/>
+                <a16:creationId xmlns:a16="http://schemas.microsoft.com/office/drawing/2014/main" id="{D555BF15-1FF1-6D4A-B06E-9AEF99E3B2FF}"/>
               </a:ext>
             </a:extLst>
           </p:cNvPr>
@@ -377,7 +382,7 @@
           <p:cNvPr id="3" name="Vertical Text Placeholder 2">
             <a:extLst>
               <a:ext uri="{FF2B5EF4-FFF2-40B4-BE49-F238E27FC236}">
-                <a16:creationId xmlns:a16="http://schemas.microsoft.com/office/drawing/2014/main" id="{B260FE9F-F57B-4748-9A03-B5BCBA8137C4}"/>
+                <a16:creationId xmlns:a16="http://schemas.microsoft.com/office/drawing/2014/main" id="{EE118ABA-2745-0941-A74C-8CD8ECDD5860}"/>
               </a:ext>
             </a:extLst>
           </p:cNvPr>
@@ -434,7 +439,7 @@
           <p:cNvPr id="4" name="Date Placeholder 3">
             <a:extLst>
               <a:ext uri="{FF2B5EF4-FFF2-40B4-BE49-F238E27FC236}">
-                <a16:creationId xmlns:a16="http://schemas.microsoft.com/office/drawing/2014/main" id="{3FE45048-6939-5C41-AB38-1780E883F6BA}"/>
+                <a16:creationId xmlns:a16="http://schemas.microsoft.com/office/drawing/2014/main" id="{7B0922F3-F4F2-604F-93D1-BBDAE24048ED}"/>
               </a:ext>
             </a:extLst>
           </p:cNvPr>
@@ -450,7 +455,7 @@
           <a:bodyPr/>
           <a:lstStyle/>
           <a:p>
-            <a:fld id="{AAEA326D-B12F-844A-AB07-2D2FC122FEC9}" type="datetimeFigureOut">
+            <a:fld id="{19538E54-F804-A647-B832-1B6F05594455}" type="datetimeFigureOut">
               <a:rPr lang="en-US" smtClean="0"/>
               <a:t>11/2/20</a:t>
             </a:fld>
@@ -463,7 +468,7 @@
           <p:cNvPr id="5" name="Footer Placeholder 4">
             <a:extLst>
               <a:ext uri="{FF2B5EF4-FFF2-40B4-BE49-F238E27FC236}">
-                <a16:creationId xmlns:a16="http://schemas.microsoft.com/office/drawing/2014/main" id="{CFB17BC8-AF9E-B24B-BD52-72DFE9E34DAC}"/>
+                <a16:creationId xmlns:a16="http://schemas.microsoft.com/office/drawing/2014/main" id="{C183C724-BA9C-5845-9E2D-7DCCC30244E7}"/>
               </a:ext>
             </a:extLst>
           </p:cNvPr>
@@ -488,7 +493,7 @@
           <p:cNvPr id="6" name="Slide Number Placeholder 5">
             <a:extLst>
               <a:ext uri="{FF2B5EF4-FFF2-40B4-BE49-F238E27FC236}">
-                <a16:creationId xmlns:a16="http://schemas.microsoft.com/office/drawing/2014/main" id="{C04005BA-EB2F-E94D-A3A2-60A63D0EFB5F}"/>
+                <a16:creationId xmlns:a16="http://schemas.microsoft.com/office/drawing/2014/main" id="{0ED80B05-EE74-4149-A41D-B54D007E4912}"/>
               </a:ext>
             </a:extLst>
           </p:cNvPr>
@@ -504,7 +509,7 @@
           <a:bodyPr/>
           <a:lstStyle/>
           <a:p>
-            <a:fld id="{2017ADA1-91BB-FB41-9A2C-D2AE2D39DF23}" type="slidenum">
+            <a:fld id="{08B9B1B8-A425-3E44-B80D-44A772919908}" type="slidenum">
               <a:rPr lang="en-US" smtClean="0"/>
               <a:t>‹#›</a:t>
             </a:fld>
@@ -515,7 +520,7 @@
     </p:spTree>
     <p:extLst>
       <p:ext uri="{BB962C8B-B14F-4D97-AF65-F5344CB8AC3E}">
-        <p14:creationId xmlns:p14="http://schemas.microsoft.com/office/powerpoint/2010/main" val="4165209470"/>
+        <p14:creationId xmlns:p14="http://schemas.microsoft.com/office/powerpoint/2010/main" val="3101934139"/>
       </p:ext>
     </p:extLst>
   </p:cSld>
@@ -547,7 +552,7 @@
           <p:cNvPr id="2" name="Vertical Title 1">
             <a:extLst>
               <a:ext uri="{FF2B5EF4-FFF2-40B4-BE49-F238E27FC236}">
-                <a16:creationId xmlns:a16="http://schemas.microsoft.com/office/drawing/2014/main" id="{CD2EA58B-A98E-6F4B-992A-15FCC6B51027}"/>
+                <a16:creationId xmlns:a16="http://schemas.microsoft.com/office/drawing/2014/main" id="{CFBA19C5-434D-E04F-9F7F-CE3EE278A0D4}"/>
               </a:ext>
             </a:extLst>
           </p:cNvPr>
@@ -580,7 +585,7 @@
           <p:cNvPr id="3" name="Vertical Text Placeholder 2">
             <a:extLst>
               <a:ext uri="{FF2B5EF4-FFF2-40B4-BE49-F238E27FC236}">
-                <a16:creationId xmlns:a16="http://schemas.microsoft.com/office/drawing/2014/main" id="{121E2FC4-C8CB-9F48-A2B6-A50CEF753922}"/>
+                <a16:creationId xmlns:a16="http://schemas.microsoft.com/office/drawing/2014/main" id="{46211525-7214-F848-AD10-4B8838F52CB2}"/>
               </a:ext>
             </a:extLst>
           </p:cNvPr>
@@ -642,7 +647,7 @@
           <p:cNvPr id="4" name="Date Placeholder 3">
             <a:extLst>
               <a:ext uri="{FF2B5EF4-FFF2-40B4-BE49-F238E27FC236}">
-                <a16:creationId xmlns:a16="http://schemas.microsoft.com/office/drawing/2014/main" id="{5B261EAA-0424-CF4A-9A28-87BAAAA0F8EC}"/>
+                <a16:creationId xmlns:a16="http://schemas.microsoft.com/office/drawing/2014/main" id="{A8B87D1D-36C3-EF42-8903-A9F87492F909}"/>
               </a:ext>
             </a:extLst>
           </p:cNvPr>
@@ -658,7 +663,7 @@
           <a:bodyPr/>
           <a:lstStyle/>
           <a:p>
-            <a:fld id="{AAEA326D-B12F-844A-AB07-2D2FC122FEC9}" type="datetimeFigureOut">
+            <a:fld id="{19538E54-F804-A647-B832-1B6F05594455}" type="datetimeFigureOut">
               <a:rPr lang="en-US" smtClean="0"/>
               <a:t>11/2/20</a:t>
             </a:fld>
@@ -671,7 +676,7 @@
           <p:cNvPr id="5" name="Footer Placeholder 4">
             <a:extLst>
               <a:ext uri="{FF2B5EF4-FFF2-40B4-BE49-F238E27FC236}">
-                <a16:creationId xmlns:a16="http://schemas.microsoft.com/office/drawing/2014/main" id="{7789B502-86F5-A745-9299-8285B2AA4A9A}"/>
+                <a16:creationId xmlns:a16="http://schemas.microsoft.com/office/drawing/2014/main" id="{10846590-F3BE-B646-99CC-75CC648F918B}"/>
               </a:ext>
             </a:extLst>
           </p:cNvPr>
@@ -696,7 +701,7 @@
           <p:cNvPr id="6" name="Slide Number Placeholder 5">
             <a:extLst>
               <a:ext uri="{FF2B5EF4-FFF2-40B4-BE49-F238E27FC236}">
-                <a16:creationId xmlns:a16="http://schemas.microsoft.com/office/drawing/2014/main" id="{04625048-4A6C-164A-8006-A7AD3EB2E6BF}"/>
+                <a16:creationId xmlns:a16="http://schemas.microsoft.com/office/drawing/2014/main" id="{17861C3A-9989-704C-89D9-F28A9428D777}"/>
               </a:ext>
             </a:extLst>
           </p:cNvPr>
@@ -712,7 +717,7 @@
           <a:bodyPr/>
           <a:lstStyle/>
           <a:p>
-            <a:fld id="{2017ADA1-91BB-FB41-9A2C-D2AE2D39DF23}" type="slidenum">
+            <a:fld id="{08B9B1B8-A425-3E44-B80D-44A772919908}" type="slidenum">
               <a:rPr lang="en-US" smtClean="0"/>
               <a:t>‹#›</a:t>
             </a:fld>
@@ -723,7 +728,7 @@
     </p:spTree>
     <p:extLst>
       <p:ext uri="{BB962C8B-B14F-4D97-AF65-F5344CB8AC3E}">
-        <p14:creationId xmlns:p14="http://schemas.microsoft.com/office/powerpoint/2010/main" val="3459216666"/>
+        <p14:creationId xmlns:p14="http://schemas.microsoft.com/office/powerpoint/2010/main" val="807356489"/>
       </p:ext>
     </p:extLst>
   </p:cSld>
@@ -755,7 +760,7 @@
           <p:cNvPr id="2" name="Title 1">
             <a:extLst>
               <a:ext uri="{FF2B5EF4-FFF2-40B4-BE49-F238E27FC236}">
-                <a16:creationId xmlns:a16="http://schemas.microsoft.com/office/drawing/2014/main" id="{698DB1E7-2AEE-0F4F-AC24-7AD224E2DE2E}"/>
+                <a16:creationId xmlns:a16="http://schemas.microsoft.com/office/drawing/2014/main" id="{28E337C4-FBB2-1043-B8BE-8183217579DC}"/>
               </a:ext>
             </a:extLst>
           </p:cNvPr>
@@ -783,7 +788,7 @@
           <p:cNvPr id="3" name="Content Placeholder 2">
             <a:extLst>
               <a:ext uri="{FF2B5EF4-FFF2-40B4-BE49-F238E27FC236}">
-                <a16:creationId xmlns:a16="http://schemas.microsoft.com/office/drawing/2014/main" id="{0472654C-F073-AB47-814C-660C482FCBEC}"/>
+                <a16:creationId xmlns:a16="http://schemas.microsoft.com/office/drawing/2014/main" id="{5DD38D3F-D836-2341-B515-148CA013FC18}"/>
               </a:ext>
             </a:extLst>
           </p:cNvPr>
@@ -840,7 +845,7 @@
           <p:cNvPr id="4" name="Date Placeholder 3">
             <a:extLst>
               <a:ext uri="{FF2B5EF4-FFF2-40B4-BE49-F238E27FC236}">
-                <a16:creationId xmlns:a16="http://schemas.microsoft.com/office/drawing/2014/main" id="{5D485A5B-08E3-794D-A80D-5F70D75240A1}"/>
+                <a16:creationId xmlns:a16="http://schemas.microsoft.com/office/drawing/2014/main" id="{9C458A9A-86EF-B54D-9353-FB6555BE3254}"/>
               </a:ext>
             </a:extLst>
           </p:cNvPr>
@@ -856,7 +861,7 @@
           <a:bodyPr/>
           <a:lstStyle/>
           <a:p>
-            <a:fld id="{AAEA326D-B12F-844A-AB07-2D2FC122FEC9}" type="datetimeFigureOut">
+            <a:fld id="{19538E54-F804-A647-B832-1B6F05594455}" type="datetimeFigureOut">
               <a:rPr lang="en-US" smtClean="0"/>
               <a:t>11/2/20</a:t>
             </a:fld>
@@ -869,7 +874,7 @@
           <p:cNvPr id="5" name="Footer Placeholder 4">
             <a:extLst>
               <a:ext uri="{FF2B5EF4-FFF2-40B4-BE49-F238E27FC236}">
-                <a16:creationId xmlns:a16="http://schemas.microsoft.com/office/drawing/2014/main" id="{97635A24-2ED5-2A43-87E5-126A2851493C}"/>
+                <a16:creationId xmlns:a16="http://schemas.microsoft.com/office/drawing/2014/main" id="{18EA7988-6806-C24C-8262-51AF9466FE0A}"/>
               </a:ext>
             </a:extLst>
           </p:cNvPr>
@@ -894,7 +899,7 @@
           <p:cNvPr id="6" name="Slide Number Placeholder 5">
             <a:extLst>
               <a:ext uri="{FF2B5EF4-FFF2-40B4-BE49-F238E27FC236}">
-                <a16:creationId xmlns:a16="http://schemas.microsoft.com/office/drawing/2014/main" id="{ECC69ABC-1B6F-0042-9E75-A3C7A6410A52}"/>
+                <a16:creationId xmlns:a16="http://schemas.microsoft.com/office/drawing/2014/main" id="{C0F7A1BB-B821-9040-9387-139DFCC2A5E1}"/>
               </a:ext>
             </a:extLst>
           </p:cNvPr>
@@ -910,7 +915,7 @@
           <a:bodyPr/>
           <a:lstStyle/>
           <a:p>
-            <a:fld id="{2017ADA1-91BB-FB41-9A2C-D2AE2D39DF23}" type="slidenum">
+            <a:fld id="{08B9B1B8-A425-3E44-B80D-44A772919908}" type="slidenum">
               <a:rPr lang="en-US" smtClean="0"/>
               <a:t>‹#›</a:t>
             </a:fld>
@@ -921,7 +926,7 @@
     </p:spTree>
     <p:extLst>
       <p:ext uri="{BB962C8B-B14F-4D97-AF65-F5344CB8AC3E}">
-        <p14:creationId xmlns:p14="http://schemas.microsoft.com/office/powerpoint/2010/main" val="1303018093"/>
+        <p14:creationId xmlns:p14="http://schemas.microsoft.com/office/powerpoint/2010/main" val="3014735098"/>
       </p:ext>
     </p:extLst>
   </p:cSld>
@@ -953,7 +958,7 @@
           <p:cNvPr id="2" name="Title 1">
             <a:extLst>
               <a:ext uri="{FF2B5EF4-FFF2-40B4-BE49-F238E27FC236}">
-                <a16:creationId xmlns:a16="http://schemas.microsoft.com/office/drawing/2014/main" id="{56AC798E-9359-AE48-979F-0C95770292B3}"/>
+                <a16:creationId xmlns:a16="http://schemas.microsoft.com/office/drawing/2014/main" id="{C8026F78-17A2-4447-9593-57CC54DB6281}"/>
               </a:ext>
             </a:extLst>
           </p:cNvPr>
@@ -990,7 +995,7 @@
           <p:cNvPr id="3" name="Text Placeholder 2">
             <a:extLst>
               <a:ext uri="{FF2B5EF4-FFF2-40B4-BE49-F238E27FC236}">
-                <a16:creationId xmlns:a16="http://schemas.microsoft.com/office/drawing/2014/main" id="{059AFE3D-36CB-9448-879A-E508BDA112DF}"/>
+                <a16:creationId xmlns:a16="http://schemas.microsoft.com/office/drawing/2014/main" id="{C7EFF0FB-4DE2-F943-81C9-D98399FA9B77}"/>
               </a:ext>
             </a:extLst>
           </p:cNvPr>
@@ -1115,7 +1120,7 @@
           <p:cNvPr id="4" name="Date Placeholder 3">
             <a:extLst>
               <a:ext uri="{FF2B5EF4-FFF2-40B4-BE49-F238E27FC236}">
-                <a16:creationId xmlns:a16="http://schemas.microsoft.com/office/drawing/2014/main" id="{65D251A5-192F-DC43-A7A3-23B53F44376C}"/>
+                <a16:creationId xmlns:a16="http://schemas.microsoft.com/office/drawing/2014/main" id="{E7C45149-4279-B046-A74A-F777E93159B0}"/>
               </a:ext>
             </a:extLst>
           </p:cNvPr>
@@ -1131,7 +1136,7 @@
           <a:bodyPr/>
           <a:lstStyle/>
           <a:p>
-            <a:fld id="{AAEA326D-B12F-844A-AB07-2D2FC122FEC9}" type="datetimeFigureOut">
+            <a:fld id="{19538E54-F804-A647-B832-1B6F05594455}" type="datetimeFigureOut">
               <a:rPr lang="en-US" smtClean="0"/>
               <a:t>11/2/20</a:t>
             </a:fld>
@@ -1144,7 +1149,7 @@
           <p:cNvPr id="5" name="Footer Placeholder 4">
             <a:extLst>
               <a:ext uri="{FF2B5EF4-FFF2-40B4-BE49-F238E27FC236}">
-                <a16:creationId xmlns:a16="http://schemas.microsoft.com/office/drawing/2014/main" id="{0D096A48-1319-EA4B-A7B7-6D48AAD63B80}"/>
+                <a16:creationId xmlns:a16="http://schemas.microsoft.com/office/drawing/2014/main" id="{D07B73D1-FBB1-544D-BC1A-4D1357C793CA}"/>
               </a:ext>
             </a:extLst>
           </p:cNvPr>
@@ -1169,7 +1174,7 @@
           <p:cNvPr id="6" name="Slide Number Placeholder 5">
             <a:extLst>
               <a:ext uri="{FF2B5EF4-FFF2-40B4-BE49-F238E27FC236}">
-                <a16:creationId xmlns:a16="http://schemas.microsoft.com/office/drawing/2014/main" id="{7F9022E7-B85F-E74C-94F8-CBF4F6B09A64}"/>
+                <a16:creationId xmlns:a16="http://schemas.microsoft.com/office/drawing/2014/main" id="{18C6FE22-E622-C34E-B6A9-93A35E00474F}"/>
               </a:ext>
             </a:extLst>
           </p:cNvPr>
@@ -1185,7 +1190,7 @@
           <a:bodyPr/>
           <a:lstStyle/>
           <a:p>
-            <a:fld id="{2017ADA1-91BB-FB41-9A2C-D2AE2D39DF23}" type="slidenum">
+            <a:fld id="{08B9B1B8-A425-3E44-B80D-44A772919908}" type="slidenum">
               <a:rPr lang="en-US" smtClean="0"/>
               <a:t>‹#›</a:t>
             </a:fld>
@@ -1196,7 +1201,7 @@
     </p:spTree>
     <p:extLst>
       <p:ext uri="{BB962C8B-B14F-4D97-AF65-F5344CB8AC3E}">
-        <p14:creationId xmlns:p14="http://schemas.microsoft.com/office/powerpoint/2010/main" val="3004848101"/>
+        <p14:creationId xmlns:p14="http://schemas.microsoft.com/office/powerpoint/2010/main" val="3514508784"/>
       </p:ext>
     </p:extLst>
   </p:cSld>
@@ -1228,7 +1233,7 @@
           <p:cNvPr id="2" name="Title 1">
             <a:extLst>
               <a:ext uri="{FF2B5EF4-FFF2-40B4-BE49-F238E27FC236}">
-                <a16:creationId xmlns:a16="http://schemas.microsoft.com/office/drawing/2014/main" id="{A9DD7901-7CDD-0749-A698-3C3BB04ACB78}"/>
+                <a16:creationId xmlns:a16="http://schemas.microsoft.com/office/drawing/2014/main" id="{026066A1-71B8-0344-983B-53EF16BA662C}"/>
               </a:ext>
             </a:extLst>
           </p:cNvPr>
@@ -1256,7 +1261,7 @@
           <p:cNvPr id="3" name="Content Placeholder 2">
             <a:extLst>
               <a:ext uri="{FF2B5EF4-FFF2-40B4-BE49-F238E27FC236}">
-                <a16:creationId xmlns:a16="http://schemas.microsoft.com/office/drawing/2014/main" id="{1C4B8098-DF5D-8D42-AC1A-D39CFEE339C2}"/>
+                <a16:creationId xmlns:a16="http://schemas.microsoft.com/office/drawing/2014/main" id="{02715B35-E8EA-EF4D-BD37-21F57CDF2B6C}"/>
               </a:ext>
             </a:extLst>
           </p:cNvPr>
@@ -1318,7 +1323,7 @@
           <p:cNvPr id="4" name="Content Placeholder 3">
             <a:extLst>
               <a:ext uri="{FF2B5EF4-FFF2-40B4-BE49-F238E27FC236}">
-                <a16:creationId xmlns:a16="http://schemas.microsoft.com/office/drawing/2014/main" id="{50C2247D-3646-5345-ABE4-2AFD9FC51EA8}"/>
+                <a16:creationId xmlns:a16="http://schemas.microsoft.com/office/drawing/2014/main" id="{3D08D41D-C203-DA4E-AE79-85F9AACDAF26}"/>
               </a:ext>
             </a:extLst>
           </p:cNvPr>
@@ -1380,7 +1385,7 @@
           <p:cNvPr id="5" name="Date Placeholder 4">
             <a:extLst>
               <a:ext uri="{FF2B5EF4-FFF2-40B4-BE49-F238E27FC236}">
-                <a16:creationId xmlns:a16="http://schemas.microsoft.com/office/drawing/2014/main" id="{A4B99979-35EF-9445-B322-DC6494B0EB3E}"/>
+                <a16:creationId xmlns:a16="http://schemas.microsoft.com/office/drawing/2014/main" id="{7F3487C6-1870-B44F-B7BD-A2A6AD7906C3}"/>
               </a:ext>
             </a:extLst>
           </p:cNvPr>
@@ -1396,7 +1401,7 @@
           <a:bodyPr/>
           <a:lstStyle/>
           <a:p>
-            <a:fld id="{AAEA326D-B12F-844A-AB07-2D2FC122FEC9}" type="datetimeFigureOut">
+            <a:fld id="{19538E54-F804-A647-B832-1B6F05594455}" type="datetimeFigureOut">
               <a:rPr lang="en-US" smtClean="0"/>
               <a:t>11/2/20</a:t>
             </a:fld>
@@ -1409,7 +1414,7 @@
           <p:cNvPr id="6" name="Footer Placeholder 5">
             <a:extLst>
               <a:ext uri="{FF2B5EF4-FFF2-40B4-BE49-F238E27FC236}">
-                <a16:creationId xmlns:a16="http://schemas.microsoft.com/office/drawing/2014/main" id="{0C75E5B6-79FF-8D4F-9DD5-2382BCAA5455}"/>
+                <a16:creationId xmlns:a16="http://schemas.microsoft.com/office/drawing/2014/main" id="{14BAD5CF-F8A9-B948-99A6-CFB8187A655D}"/>
               </a:ext>
             </a:extLst>
           </p:cNvPr>
@@ -1434,7 +1439,7 @@
           <p:cNvPr id="7" name="Slide Number Placeholder 6">
             <a:extLst>
               <a:ext uri="{FF2B5EF4-FFF2-40B4-BE49-F238E27FC236}">
-                <a16:creationId xmlns:a16="http://schemas.microsoft.com/office/drawing/2014/main" id="{B6B5C3DE-9E6C-E848-9FCA-CE8CCE3B9E2A}"/>
+                <a16:creationId xmlns:a16="http://schemas.microsoft.com/office/drawing/2014/main" id="{31A81966-C829-C748-A57E-2E1D08B8D6BF}"/>
               </a:ext>
             </a:extLst>
           </p:cNvPr>
@@ -1450,7 +1455,7 @@
           <a:bodyPr/>
           <a:lstStyle/>
           <a:p>
-            <a:fld id="{2017ADA1-91BB-FB41-9A2C-D2AE2D39DF23}" type="slidenum">
+            <a:fld id="{08B9B1B8-A425-3E44-B80D-44A772919908}" type="slidenum">
               <a:rPr lang="en-US" smtClean="0"/>
               <a:t>‹#›</a:t>
             </a:fld>
@@ -1461,7 +1466,7 @@
     </p:spTree>
     <p:extLst>
       <p:ext uri="{BB962C8B-B14F-4D97-AF65-F5344CB8AC3E}">
-        <p14:creationId xmlns:p14="http://schemas.microsoft.com/office/powerpoint/2010/main" val="2014396600"/>
+        <p14:creationId xmlns:p14="http://schemas.microsoft.com/office/powerpoint/2010/main" val="2354774022"/>
       </p:ext>
     </p:extLst>
   </p:cSld>
@@ -1493,7 +1498,7 @@
           <p:cNvPr id="2" name="Title 1">
             <a:extLst>
               <a:ext uri="{FF2B5EF4-FFF2-40B4-BE49-F238E27FC236}">
-                <a16:creationId xmlns:a16="http://schemas.microsoft.com/office/drawing/2014/main" id="{38153AD3-B728-7F4F-AEA1-A40E4A43D21A}"/>
+                <a16:creationId xmlns:a16="http://schemas.microsoft.com/office/drawing/2014/main" id="{AF658EF0-6876-DD4D-A0EA-50CA33F55CFF}"/>
               </a:ext>
             </a:extLst>
           </p:cNvPr>
@@ -1526,7 +1531,7 @@
           <p:cNvPr id="3" name="Text Placeholder 2">
             <a:extLst>
               <a:ext uri="{FF2B5EF4-FFF2-40B4-BE49-F238E27FC236}">
-                <a16:creationId xmlns:a16="http://schemas.microsoft.com/office/drawing/2014/main" id="{A11DF94E-1AF1-AA41-8BFA-0077430A9735}"/>
+                <a16:creationId xmlns:a16="http://schemas.microsoft.com/office/drawing/2014/main" id="{37922C52-61F6-0745-86F0-A049ADF78406}"/>
               </a:ext>
             </a:extLst>
           </p:cNvPr>
@@ -1597,7 +1602,7 @@
           <p:cNvPr id="4" name="Content Placeholder 3">
             <a:extLst>
               <a:ext uri="{FF2B5EF4-FFF2-40B4-BE49-F238E27FC236}">
-                <a16:creationId xmlns:a16="http://schemas.microsoft.com/office/drawing/2014/main" id="{53F120F4-E25C-DA48-8BEA-4754AAFCDE93}"/>
+                <a16:creationId xmlns:a16="http://schemas.microsoft.com/office/drawing/2014/main" id="{ED723DF3-2F7C-744C-B349-DC3977EC84AB}"/>
               </a:ext>
             </a:extLst>
           </p:cNvPr>
@@ -1659,7 +1664,7 @@
           <p:cNvPr id="5" name="Text Placeholder 4">
             <a:extLst>
               <a:ext uri="{FF2B5EF4-FFF2-40B4-BE49-F238E27FC236}">
-                <a16:creationId xmlns:a16="http://schemas.microsoft.com/office/drawing/2014/main" id="{302FB8EA-EA80-6441-BBF8-B0B31174F4CD}"/>
+                <a16:creationId xmlns:a16="http://schemas.microsoft.com/office/drawing/2014/main" id="{EFA188CC-B1E2-854A-A206-27E8C008614E}"/>
               </a:ext>
             </a:extLst>
           </p:cNvPr>
@@ -1730,7 +1735,7 @@
           <p:cNvPr id="6" name="Content Placeholder 5">
             <a:extLst>
               <a:ext uri="{FF2B5EF4-FFF2-40B4-BE49-F238E27FC236}">
-                <a16:creationId xmlns:a16="http://schemas.microsoft.com/office/drawing/2014/main" id="{8AFE26BE-4B5D-934F-A040-01C7866D0F7A}"/>
+                <a16:creationId xmlns:a16="http://schemas.microsoft.com/office/drawing/2014/main" id="{FE960D13-8F22-0B4B-892A-186ACD350912}"/>
               </a:ext>
             </a:extLst>
           </p:cNvPr>
@@ -1792,7 +1797,7 @@
           <p:cNvPr id="7" name="Date Placeholder 6">
             <a:extLst>
               <a:ext uri="{FF2B5EF4-FFF2-40B4-BE49-F238E27FC236}">
-                <a16:creationId xmlns:a16="http://schemas.microsoft.com/office/drawing/2014/main" id="{46A6874C-1D2D-A244-8913-4027CF134160}"/>
+                <a16:creationId xmlns:a16="http://schemas.microsoft.com/office/drawing/2014/main" id="{865196F1-328E-1444-9EF3-23513ADDA06B}"/>
               </a:ext>
             </a:extLst>
           </p:cNvPr>
@@ -1808,7 +1813,7 @@
           <a:bodyPr/>
           <a:lstStyle/>
           <a:p>
-            <a:fld id="{AAEA326D-B12F-844A-AB07-2D2FC122FEC9}" type="datetimeFigureOut">
+            <a:fld id="{19538E54-F804-A647-B832-1B6F05594455}" type="datetimeFigureOut">
               <a:rPr lang="en-US" smtClean="0"/>
               <a:t>11/2/20</a:t>
             </a:fld>
@@ -1821,7 +1826,7 @@
           <p:cNvPr id="8" name="Footer Placeholder 7">
             <a:extLst>
               <a:ext uri="{FF2B5EF4-FFF2-40B4-BE49-F238E27FC236}">
-                <a16:creationId xmlns:a16="http://schemas.microsoft.com/office/drawing/2014/main" id="{170B6E56-69EE-C241-8179-A7BD9C34A56A}"/>
+                <a16:creationId xmlns:a16="http://schemas.microsoft.com/office/drawing/2014/main" id="{3D75E154-76C4-8642-8594-2C9C17007912}"/>
               </a:ext>
             </a:extLst>
           </p:cNvPr>
@@ -1846,7 +1851,7 @@
           <p:cNvPr id="9" name="Slide Number Placeholder 8">
             <a:extLst>
               <a:ext uri="{FF2B5EF4-FFF2-40B4-BE49-F238E27FC236}">
-                <a16:creationId xmlns:a16="http://schemas.microsoft.com/office/drawing/2014/main" id="{BEE381A4-08F1-A841-B284-79D238B791A3}"/>
+                <a16:creationId xmlns:a16="http://schemas.microsoft.com/office/drawing/2014/main" id="{00FC6774-B18F-E746-BCF8-436E89D38C1A}"/>
               </a:ext>
             </a:extLst>
           </p:cNvPr>
@@ -1862,7 +1867,7 @@
           <a:bodyPr/>
           <a:lstStyle/>
           <a:p>
-            <a:fld id="{2017ADA1-91BB-FB41-9A2C-D2AE2D39DF23}" type="slidenum">
+            <a:fld id="{08B9B1B8-A425-3E44-B80D-44A772919908}" type="slidenum">
               <a:rPr lang="en-US" smtClean="0"/>
               <a:t>‹#›</a:t>
             </a:fld>
@@ -1873,7 +1878,7 @@
     </p:spTree>
     <p:extLst>
       <p:ext uri="{BB962C8B-B14F-4D97-AF65-F5344CB8AC3E}">
-        <p14:creationId xmlns:p14="http://schemas.microsoft.com/office/powerpoint/2010/main" val="4255393071"/>
+        <p14:creationId xmlns:p14="http://schemas.microsoft.com/office/powerpoint/2010/main" val="2294149633"/>
       </p:ext>
     </p:extLst>
   </p:cSld>
@@ -1905,7 +1910,7 @@
           <p:cNvPr id="2" name="Title 1">
             <a:extLst>
               <a:ext uri="{FF2B5EF4-FFF2-40B4-BE49-F238E27FC236}">
-                <a16:creationId xmlns:a16="http://schemas.microsoft.com/office/drawing/2014/main" id="{40A03007-DC0E-6C45-907E-19CE71F636E7}"/>
+                <a16:creationId xmlns:a16="http://schemas.microsoft.com/office/drawing/2014/main" id="{6A768846-AB44-7447-8A27-6B24B48AD4DE}"/>
               </a:ext>
             </a:extLst>
           </p:cNvPr>
@@ -1933,7 +1938,7 @@
           <p:cNvPr id="3" name="Date Placeholder 2">
             <a:extLst>
               <a:ext uri="{FF2B5EF4-FFF2-40B4-BE49-F238E27FC236}">
-                <a16:creationId xmlns:a16="http://schemas.microsoft.com/office/drawing/2014/main" id="{6BD87549-06AA-FE4B-B397-E5E8E0684FDC}"/>
+                <a16:creationId xmlns:a16="http://schemas.microsoft.com/office/drawing/2014/main" id="{882668F5-9BEC-8242-9018-04A142F75DCB}"/>
               </a:ext>
             </a:extLst>
           </p:cNvPr>
@@ -1949,7 +1954,7 @@
           <a:bodyPr/>
           <a:lstStyle/>
           <a:p>
-            <a:fld id="{AAEA326D-B12F-844A-AB07-2D2FC122FEC9}" type="datetimeFigureOut">
+            <a:fld id="{19538E54-F804-A647-B832-1B6F05594455}" type="datetimeFigureOut">
               <a:rPr lang="en-US" smtClean="0"/>
               <a:t>11/2/20</a:t>
             </a:fld>
@@ -1962,7 +1967,7 @@
           <p:cNvPr id="4" name="Footer Placeholder 3">
             <a:extLst>
               <a:ext uri="{FF2B5EF4-FFF2-40B4-BE49-F238E27FC236}">
-                <a16:creationId xmlns:a16="http://schemas.microsoft.com/office/drawing/2014/main" id="{4D8FFF37-59E2-0749-B2C6-BED7AD25E263}"/>
+                <a16:creationId xmlns:a16="http://schemas.microsoft.com/office/drawing/2014/main" id="{B5AF69D4-F1C3-8E45-A6F4-4242F8EE9F31}"/>
               </a:ext>
             </a:extLst>
           </p:cNvPr>
@@ -1987,7 +1992,7 @@
           <p:cNvPr id="5" name="Slide Number Placeholder 4">
             <a:extLst>
               <a:ext uri="{FF2B5EF4-FFF2-40B4-BE49-F238E27FC236}">
-                <a16:creationId xmlns:a16="http://schemas.microsoft.com/office/drawing/2014/main" id="{C1ABF3B4-7F08-A34B-8991-168E7BC33543}"/>
+                <a16:creationId xmlns:a16="http://schemas.microsoft.com/office/drawing/2014/main" id="{978493E8-CA3A-1543-98F6-26C450DF30C7}"/>
               </a:ext>
             </a:extLst>
           </p:cNvPr>
@@ -2003,7 +2008,7 @@
           <a:bodyPr/>
           <a:lstStyle/>
           <a:p>
-            <a:fld id="{2017ADA1-91BB-FB41-9A2C-D2AE2D39DF23}" type="slidenum">
+            <a:fld id="{08B9B1B8-A425-3E44-B80D-44A772919908}" type="slidenum">
               <a:rPr lang="en-US" smtClean="0"/>
               <a:t>‹#›</a:t>
             </a:fld>
@@ -2014,7 +2019,7 @@
     </p:spTree>
     <p:extLst>
       <p:ext uri="{BB962C8B-B14F-4D97-AF65-F5344CB8AC3E}">
-        <p14:creationId xmlns:p14="http://schemas.microsoft.com/office/powerpoint/2010/main" val="3711020342"/>
+        <p14:creationId xmlns:p14="http://schemas.microsoft.com/office/powerpoint/2010/main" val="1450970114"/>
       </p:ext>
     </p:extLst>
   </p:cSld>
@@ -2046,7 +2051,7 @@
           <p:cNvPr id="2" name="Date Placeholder 1">
             <a:extLst>
               <a:ext uri="{FF2B5EF4-FFF2-40B4-BE49-F238E27FC236}">
-                <a16:creationId xmlns:a16="http://schemas.microsoft.com/office/drawing/2014/main" id="{88253F8F-1873-A541-9AD4-86DAD6C8792D}"/>
+                <a16:creationId xmlns:a16="http://schemas.microsoft.com/office/drawing/2014/main" id="{3FBE1824-EF0C-8343-9B1D-80F7A14A463D}"/>
               </a:ext>
             </a:extLst>
           </p:cNvPr>
@@ -2062,7 +2067,7 @@
           <a:bodyPr/>
           <a:lstStyle/>
           <a:p>
-            <a:fld id="{AAEA326D-B12F-844A-AB07-2D2FC122FEC9}" type="datetimeFigureOut">
+            <a:fld id="{19538E54-F804-A647-B832-1B6F05594455}" type="datetimeFigureOut">
               <a:rPr lang="en-US" smtClean="0"/>
               <a:t>11/2/20</a:t>
             </a:fld>
@@ -2075,7 +2080,7 @@
           <p:cNvPr id="3" name="Footer Placeholder 2">
             <a:extLst>
               <a:ext uri="{FF2B5EF4-FFF2-40B4-BE49-F238E27FC236}">
-                <a16:creationId xmlns:a16="http://schemas.microsoft.com/office/drawing/2014/main" id="{54B792C0-5BE7-0F42-A12D-30EF64BE5059}"/>
+                <a16:creationId xmlns:a16="http://schemas.microsoft.com/office/drawing/2014/main" id="{964526BE-E950-1842-8989-5608DED67A80}"/>
               </a:ext>
             </a:extLst>
           </p:cNvPr>
@@ -2100,7 +2105,7 @@
           <p:cNvPr id="4" name="Slide Number Placeholder 3">
             <a:extLst>
               <a:ext uri="{FF2B5EF4-FFF2-40B4-BE49-F238E27FC236}">
-                <a16:creationId xmlns:a16="http://schemas.microsoft.com/office/drawing/2014/main" id="{3DCB0A5E-455F-544D-9ED7-2A100C6735D8}"/>
+                <a16:creationId xmlns:a16="http://schemas.microsoft.com/office/drawing/2014/main" id="{609012AC-ACDE-0544-807C-6FF794B0D4B9}"/>
               </a:ext>
             </a:extLst>
           </p:cNvPr>
@@ -2116,7 +2121,7 @@
           <a:bodyPr/>
           <a:lstStyle/>
           <a:p>
-            <a:fld id="{2017ADA1-91BB-FB41-9A2C-D2AE2D39DF23}" type="slidenum">
+            <a:fld id="{08B9B1B8-A425-3E44-B80D-44A772919908}" type="slidenum">
               <a:rPr lang="en-US" smtClean="0"/>
               <a:t>‹#›</a:t>
             </a:fld>
@@ -2127,7 +2132,7 @@
     </p:spTree>
     <p:extLst>
       <p:ext uri="{BB962C8B-B14F-4D97-AF65-F5344CB8AC3E}">
-        <p14:creationId xmlns:p14="http://schemas.microsoft.com/office/powerpoint/2010/main" val="1896193119"/>
+        <p14:creationId xmlns:p14="http://schemas.microsoft.com/office/powerpoint/2010/main" val="3768497144"/>
       </p:ext>
     </p:extLst>
   </p:cSld>
@@ -2159,7 +2164,7 @@
           <p:cNvPr id="2" name="Title 1">
             <a:extLst>
               <a:ext uri="{FF2B5EF4-FFF2-40B4-BE49-F238E27FC236}">
-                <a16:creationId xmlns:a16="http://schemas.microsoft.com/office/drawing/2014/main" id="{8E73EC37-3DC3-E14D-B66C-3653249ABF14}"/>
+                <a16:creationId xmlns:a16="http://schemas.microsoft.com/office/drawing/2014/main" id="{AAF35107-180B-7E4D-8433-2BE6F93353D2}"/>
               </a:ext>
             </a:extLst>
           </p:cNvPr>
@@ -2196,7 +2201,7 @@
           <p:cNvPr id="3" name="Content Placeholder 2">
             <a:extLst>
               <a:ext uri="{FF2B5EF4-FFF2-40B4-BE49-F238E27FC236}">
-                <a16:creationId xmlns:a16="http://schemas.microsoft.com/office/drawing/2014/main" id="{0C174A10-DC70-D24D-ADB2-7E5A74D298D9}"/>
+                <a16:creationId xmlns:a16="http://schemas.microsoft.com/office/drawing/2014/main" id="{38ADB9CF-3FF9-BF44-B4D0-105A3DFE056D}"/>
               </a:ext>
             </a:extLst>
           </p:cNvPr>
@@ -2286,7 +2291,7 @@
           <p:cNvPr id="4" name="Text Placeholder 3">
             <a:extLst>
               <a:ext uri="{FF2B5EF4-FFF2-40B4-BE49-F238E27FC236}">
-                <a16:creationId xmlns:a16="http://schemas.microsoft.com/office/drawing/2014/main" id="{EAEA48E0-0641-3743-B34F-180FFD120135}"/>
+                <a16:creationId xmlns:a16="http://schemas.microsoft.com/office/drawing/2014/main" id="{C3926628-024C-CB4C-9F86-9A124DE1C1C0}"/>
               </a:ext>
             </a:extLst>
           </p:cNvPr>
@@ -2357,7 +2362,7 @@
           <p:cNvPr id="5" name="Date Placeholder 4">
             <a:extLst>
               <a:ext uri="{FF2B5EF4-FFF2-40B4-BE49-F238E27FC236}">
-                <a16:creationId xmlns:a16="http://schemas.microsoft.com/office/drawing/2014/main" id="{A9BD9C50-5349-4A44-819F-7334AEC155DC}"/>
+                <a16:creationId xmlns:a16="http://schemas.microsoft.com/office/drawing/2014/main" id="{F102BBAE-4FAB-8C47-980B-0D944A7A77D3}"/>
               </a:ext>
             </a:extLst>
           </p:cNvPr>
@@ -2373,7 +2378,7 @@
           <a:bodyPr/>
           <a:lstStyle/>
           <a:p>
-            <a:fld id="{AAEA326D-B12F-844A-AB07-2D2FC122FEC9}" type="datetimeFigureOut">
+            <a:fld id="{19538E54-F804-A647-B832-1B6F05594455}" type="datetimeFigureOut">
               <a:rPr lang="en-US" smtClean="0"/>
               <a:t>11/2/20</a:t>
             </a:fld>
@@ -2386,7 +2391,7 @@
           <p:cNvPr id="6" name="Footer Placeholder 5">
             <a:extLst>
               <a:ext uri="{FF2B5EF4-FFF2-40B4-BE49-F238E27FC236}">
-                <a16:creationId xmlns:a16="http://schemas.microsoft.com/office/drawing/2014/main" id="{C17F6379-C317-4C49-8A48-4A54C9DAD981}"/>
+                <a16:creationId xmlns:a16="http://schemas.microsoft.com/office/drawing/2014/main" id="{5F2F110B-ADB2-0747-B44C-D67A25CD5C77}"/>
               </a:ext>
             </a:extLst>
           </p:cNvPr>
@@ -2411,7 +2416,7 @@
           <p:cNvPr id="7" name="Slide Number Placeholder 6">
             <a:extLst>
               <a:ext uri="{FF2B5EF4-FFF2-40B4-BE49-F238E27FC236}">
-                <a16:creationId xmlns:a16="http://schemas.microsoft.com/office/drawing/2014/main" id="{CEDE8EF0-1760-4544-8321-5669B86D6027}"/>
+                <a16:creationId xmlns:a16="http://schemas.microsoft.com/office/drawing/2014/main" id="{D7F4D049-B540-CC45-B28C-5DAB685B9C35}"/>
               </a:ext>
             </a:extLst>
           </p:cNvPr>
@@ -2427,7 +2432,7 @@
           <a:bodyPr/>
           <a:lstStyle/>
           <a:p>
-            <a:fld id="{2017ADA1-91BB-FB41-9A2C-D2AE2D39DF23}" type="slidenum">
+            <a:fld id="{08B9B1B8-A425-3E44-B80D-44A772919908}" type="slidenum">
               <a:rPr lang="en-US" smtClean="0"/>
               <a:t>‹#›</a:t>
             </a:fld>
@@ -2438,7 +2443,7 @@
     </p:spTree>
     <p:extLst>
       <p:ext uri="{BB962C8B-B14F-4D97-AF65-F5344CB8AC3E}">
-        <p14:creationId xmlns:p14="http://schemas.microsoft.com/office/powerpoint/2010/main" val="1693402175"/>
+        <p14:creationId xmlns:p14="http://schemas.microsoft.com/office/powerpoint/2010/main" val="3279751585"/>
       </p:ext>
     </p:extLst>
   </p:cSld>
@@ -2470,7 +2475,7 @@
           <p:cNvPr id="2" name="Title 1">
             <a:extLst>
               <a:ext uri="{FF2B5EF4-FFF2-40B4-BE49-F238E27FC236}">
-                <a16:creationId xmlns:a16="http://schemas.microsoft.com/office/drawing/2014/main" id="{C6CD341B-0E51-6B4B-9CD5-93C174D7DF10}"/>
+                <a16:creationId xmlns:a16="http://schemas.microsoft.com/office/drawing/2014/main" id="{D4F76D89-5451-C446-A348-66C667228F64}"/>
               </a:ext>
             </a:extLst>
           </p:cNvPr>
@@ -2507,7 +2512,7 @@
           <p:cNvPr id="3" name="Picture Placeholder 2">
             <a:extLst>
               <a:ext uri="{FF2B5EF4-FFF2-40B4-BE49-F238E27FC236}">
-                <a16:creationId xmlns:a16="http://schemas.microsoft.com/office/drawing/2014/main" id="{7C3A9E0C-030F-494E-BF90-4061EF1CAC0A}"/>
+                <a16:creationId xmlns:a16="http://schemas.microsoft.com/office/drawing/2014/main" id="{374A1BDA-FCDF-E04D-8E79-8B5AEFCE29F9}"/>
               </a:ext>
             </a:extLst>
           </p:cNvPr>
@@ -2574,7 +2579,7 @@
           <p:cNvPr id="4" name="Text Placeholder 3">
             <a:extLst>
               <a:ext uri="{FF2B5EF4-FFF2-40B4-BE49-F238E27FC236}">
-                <a16:creationId xmlns:a16="http://schemas.microsoft.com/office/drawing/2014/main" id="{F2D1D099-9E28-A64E-9F00-6716307E85A6}"/>
+                <a16:creationId xmlns:a16="http://schemas.microsoft.com/office/drawing/2014/main" id="{F759B4B3-8D0A-C94D-9A1E-6DCF865FFF4C}"/>
               </a:ext>
             </a:extLst>
           </p:cNvPr>
@@ -2645,7 +2650,7 @@
           <p:cNvPr id="5" name="Date Placeholder 4">
             <a:extLst>
               <a:ext uri="{FF2B5EF4-FFF2-40B4-BE49-F238E27FC236}">
-                <a16:creationId xmlns:a16="http://schemas.microsoft.com/office/drawing/2014/main" id="{6DF8B30E-6F6F-8F44-A410-DAC047CCE6A8}"/>
+                <a16:creationId xmlns:a16="http://schemas.microsoft.com/office/drawing/2014/main" id="{F1B7D64D-1184-C642-8DDE-214E1CB8B24D}"/>
               </a:ext>
             </a:extLst>
           </p:cNvPr>
@@ -2661,7 +2666,7 @@
           <a:bodyPr/>
           <a:lstStyle/>
           <a:p>
-            <a:fld id="{AAEA326D-B12F-844A-AB07-2D2FC122FEC9}" type="datetimeFigureOut">
+            <a:fld id="{19538E54-F804-A647-B832-1B6F05594455}" type="datetimeFigureOut">
               <a:rPr lang="en-US" smtClean="0"/>
               <a:t>11/2/20</a:t>
             </a:fld>
@@ -2674,7 +2679,7 @@
           <p:cNvPr id="6" name="Footer Placeholder 5">
             <a:extLst>
               <a:ext uri="{FF2B5EF4-FFF2-40B4-BE49-F238E27FC236}">
-                <a16:creationId xmlns:a16="http://schemas.microsoft.com/office/drawing/2014/main" id="{4E1684CC-EB21-FD4F-8A3D-A03B885A3FDB}"/>
+                <a16:creationId xmlns:a16="http://schemas.microsoft.com/office/drawing/2014/main" id="{40174132-DF90-CC46-992A-B887602D0E45}"/>
               </a:ext>
             </a:extLst>
           </p:cNvPr>
@@ -2699,7 +2704,7 @@
           <p:cNvPr id="7" name="Slide Number Placeholder 6">
             <a:extLst>
               <a:ext uri="{FF2B5EF4-FFF2-40B4-BE49-F238E27FC236}">
-                <a16:creationId xmlns:a16="http://schemas.microsoft.com/office/drawing/2014/main" id="{A88B23B1-0F1B-9647-A3FF-57B160E16F1C}"/>
+                <a16:creationId xmlns:a16="http://schemas.microsoft.com/office/drawing/2014/main" id="{3F687888-039B-634A-80EA-262A12C6A6CC}"/>
               </a:ext>
             </a:extLst>
           </p:cNvPr>
@@ -2715,7 +2720,7 @@
           <a:bodyPr/>
           <a:lstStyle/>
           <a:p>
-            <a:fld id="{2017ADA1-91BB-FB41-9A2C-D2AE2D39DF23}" type="slidenum">
+            <a:fld id="{08B9B1B8-A425-3E44-B80D-44A772919908}" type="slidenum">
               <a:rPr lang="en-US" smtClean="0"/>
               <a:t>‹#›</a:t>
             </a:fld>
@@ -2726,7 +2731,7 @@
     </p:spTree>
     <p:extLst>
       <p:ext uri="{BB962C8B-B14F-4D97-AF65-F5344CB8AC3E}">
-        <p14:creationId xmlns:p14="http://schemas.microsoft.com/office/powerpoint/2010/main" val="3379387953"/>
+        <p14:creationId xmlns:p14="http://schemas.microsoft.com/office/powerpoint/2010/main" val="3466203654"/>
       </p:ext>
     </p:extLst>
   </p:cSld>
@@ -2763,7 +2768,7 @@
           <p:cNvPr id="2" name="Title Placeholder 1">
             <a:extLst>
               <a:ext uri="{FF2B5EF4-FFF2-40B4-BE49-F238E27FC236}">
-                <a16:creationId xmlns:a16="http://schemas.microsoft.com/office/drawing/2014/main" id="{7CEE908E-AEE4-B449-A1E8-E82A59ADB60C}"/>
+                <a16:creationId xmlns:a16="http://schemas.microsoft.com/office/drawing/2014/main" id="{BCE34161-FD15-9446-8858-493DC3351C4C}"/>
               </a:ext>
             </a:extLst>
           </p:cNvPr>
@@ -2801,7 +2806,7 @@
           <p:cNvPr id="3" name="Text Placeholder 2">
             <a:extLst>
               <a:ext uri="{FF2B5EF4-FFF2-40B4-BE49-F238E27FC236}">
-                <a16:creationId xmlns:a16="http://schemas.microsoft.com/office/drawing/2014/main" id="{35126F81-DD2D-5B4F-84F2-41D01427A824}"/>
+                <a16:creationId xmlns:a16="http://schemas.microsoft.com/office/drawing/2014/main" id="{E0E4E3B3-A371-B246-8256-A2E2E5781616}"/>
               </a:ext>
             </a:extLst>
           </p:cNvPr>
@@ -2868,7 +2873,7 @@
           <p:cNvPr id="4" name="Date Placeholder 3">
             <a:extLst>
               <a:ext uri="{FF2B5EF4-FFF2-40B4-BE49-F238E27FC236}">
-                <a16:creationId xmlns:a16="http://schemas.microsoft.com/office/drawing/2014/main" id="{20DFC475-4CE7-C74A-9EE2-A16BA2FB1EE0}"/>
+                <a16:creationId xmlns:a16="http://schemas.microsoft.com/office/drawing/2014/main" id="{2F46EE0F-B9B6-4743-9ABE-8A19E568202C}"/>
               </a:ext>
             </a:extLst>
           </p:cNvPr>
@@ -2902,7 +2907,7 @@
             </a:lvl1pPr>
           </a:lstStyle>
           <a:p>
-            <a:fld id="{AAEA326D-B12F-844A-AB07-2D2FC122FEC9}" type="datetimeFigureOut">
+            <a:fld id="{19538E54-F804-A647-B832-1B6F05594455}" type="datetimeFigureOut">
               <a:rPr lang="en-US" smtClean="0"/>
               <a:t>11/2/20</a:t>
             </a:fld>
@@ -2915,7 +2920,7 @@
           <p:cNvPr id="5" name="Footer Placeholder 4">
             <a:extLst>
               <a:ext uri="{FF2B5EF4-FFF2-40B4-BE49-F238E27FC236}">
-                <a16:creationId xmlns:a16="http://schemas.microsoft.com/office/drawing/2014/main" id="{1A527DD0-77E6-B949-881E-E53EFEC9707E}"/>
+                <a16:creationId xmlns:a16="http://schemas.microsoft.com/office/drawing/2014/main" id="{E3C552C9-BF5A-1947-8A8F-A2E365F64E16}"/>
               </a:ext>
             </a:extLst>
           </p:cNvPr>
@@ -2958,7 +2963,7 @@
           <p:cNvPr id="6" name="Slide Number Placeholder 5">
             <a:extLst>
               <a:ext uri="{FF2B5EF4-FFF2-40B4-BE49-F238E27FC236}">
-                <a16:creationId xmlns:a16="http://schemas.microsoft.com/office/drawing/2014/main" id="{9857C3CC-1275-3349-B1C3-DA8CEA13C63A}"/>
+                <a16:creationId xmlns:a16="http://schemas.microsoft.com/office/drawing/2014/main" id="{AFCB6703-C4C4-164B-BE2D-EEC7B5A3C389}"/>
               </a:ext>
             </a:extLst>
           </p:cNvPr>
@@ -2992,7 +2997,7 @@
             </a:lvl1pPr>
           </a:lstStyle>
           <a:p>
-            <a:fld id="{2017ADA1-91BB-FB41-9A2C-D2AE2D39DF23}" type="slidenum">
+            <a:fld id="{08B9B1B8-A425-3E44-B80D-44A772919908}" type="slidenum">
               <a:rPr lang="en-US" smtClean="0"/>
               <a:t>‹#›</a:t>
             </a:fld>
@@ -3003,7 +3008,7 @@
     </p:spTree>
     <p:extLst>
       <p:ext uri="{BB962C8B-B14F-4D97-AF65-F5344CB8AC3E}">
-        <p14:creationId xmlns:p14="http://schemas.microsoft.com/office/powerpoint/2010/main" val="1602694107"/>
+        <p14:creationId xmlns:p14="http://schemas.microsoft.com/office/powerpoint/2010/main" val="3229555791"/>
       </p:ext>
     </p:extLst>
   </p:cSld>
@@ -3323,10 +3328,10 @@
       </p:grpSpPr>
       <p:pic>
         <p:nvPicPr>
-          <p:cNvPr id="11" name="Picture 10">
-            <a:extLst>
-              <a:ext uri="{FF2B5EF4-FFF2-40B4-BE49-F238E27FC236}">
-                <a16:creationId xmlns:a16="http://schemas.microsoft.com/office/drawing/2014/main" id="{54240C4E-E74E-484E-A1B5-981B81E2375E}"/>
+          <p:cNvPr id="5" name="Picture 4">
+            <a:extLst>
+              <a:ext uri="{FF2B5EF4-FFF2-40B4-BE49-F238E27FC236}">
+                <a16:creationId xmlns:a16="http://schemas.microsoft.com/office/drawing/2014/main" id="{66391E29-D30B-5245-85F7-1377D1123926}"/>
               </a:ext>
             </a:extLst>
           </p:cNvPr>
@@ -3343,8 +3348,8 @@
         </p:blipFill>
         <p:spPr>
           <a:xfrm>
-            <a:off x="1658470" y="0"/>
-            <a:ext cx="8875059" cy="6858000"/>
+            <a:off x="1658470" y="182880"/>
+            <a:ext cx="8638391" cy="6675120"/>
           </a:xfrm>
           <a:prstGeom prst="rect">
             <a:avLst/>
@@ -3353,10 +3358,10 @@
       </p:pic>
       <p:sp>
         <p:nvSpPr>
-          <p:cNvPr id="4" name="Oval 3">
-            <a:extLst>
-              <a:ext uri="{FF2B5EF4-FFF2-40B4-BE49-F238E27FC236}">
-                <a16:creationId xmlns:a16="http://schemas.microsoft.com/office/drawing/2014/main" id="{14A83869-8502-D44A-87EF-6222BC8DAFCD}"/>
+          <p:cNvPr id="6" name="Oval 5">
+            <a:extLst>
+              <a:ext uri="{FF2B5EF4-FFF2-40B4-BE49-F238E27FC236}">
+                <a16:creationId xmlns:a16="http://schemas.microsoft.com/office/drawing/2014/main" id="{BFCFAD78-202D-2142-8C0E-E2BE5D2B1F7C}"/>
               </a:ext>
             </a:extLst>
           </p:cNvPr>
@@ -3367,7 +3372,7 @@
         </p:nvSpPr>
         <p:spPr>
           <a:xfrm>
-            <a:off x="4288971" y="2394857"/>
+            <a:off x="4357551" y="2497727"/>
             <a:ext cx="137160" cy="137160"/>
           </a:xfrm>
           <a:prstGeom prst="ellipse">
@@ -3415,10 +3420,10 @@
       </p:sp>
       <p:sp>
         <p:nvSpPr>
-          <p:cNvPr id="5" name="Triangle 4">
-            <a:extLst>
-              <a:ext uri="{FF2B5EF4-FFF2-40B4-BE49-F238E27FC236}">
-                <a16:creationId xmlns:a16="http://schemas.microsoft.com/office/drawing/2014/main" id="{43B2CC8A-AF87-804E-9B85-9C377A331AD4}"/>
+          <p:cNvPr id="7" name="Triangle 6">
+            <a:extLst>
+              <a:ext uri="{FF2B5EF4-FFF2-40B4-BE49-F238E27FC236}">
+                <a16:creationId xmlns:a16="http://schemas.microsoft.com/office/drawing/2014/main" id="{3FF23C71-7552-314E-9164-E834AEE0288F}"/>
               </a:ext>
             </a:extLst>
           </p:cNvPr>
@@ -3429,7 +3434,7 @@
         </p:nvSpPr>
         <p:spPr>
           <a:xfrm>
-            <a:off x="4277998" y="2656114"/>
+            <a:off x="4346578" y="2758984"/>
             <a:ext cx="159106" cy="137160"/>
           </a:xfrm>
           <a:prstGeom prst="triangle">
@@ -3471,10 +3476,10 @@
       </p:sp>
       <p:sp>
         <p:nvSpPr>
-          <p:cNvPr id="6" name="TextBox 5">
-            <a:extLst>
-              <a:ext uri="{FF2B5EF4-FFF2-40B4-BE49-F238E27FC236}">
-                <a16:creationId xmlns:a16="http://schemas.microsoft.com/office/drawing/2014/main" id="{BAC06EF1-C8BE-6645-9547-FC5598860B06}"/>
+          <p:cNvPr id="8" name="TextBox 7">
+            <a:extLst>
+              <a:ext uri="{FF2B5EF4-FFF2-40B4-BE49-F238E27FC236}">
+                <a16:creationId xmlns:a16="http://schemas.microsoft.com/office/drawing/2014/main" id="{3E2A9A1D-BCA2-294A-80AF-8EBAD0110962}"/>
               </a:ext>
             </a:extLst>
           </p:cNvPr>
@@ -3483,7 +3488,7 @@
         </p:nvSpPr>
         <p:spPr>
           <a:xfrm>
-            <a:off x="4426131" y="2324937"/>
+            <a:off x="4494711" y="2427807"/>
             <a:ext cx="970137" cy="276999"/>
           </a:xfrm>
           <a:prstGeom prst="rect">
@@ -3508,10 +3513,10 @@
       </p:sp>
       <p:sp>
         <p:nvSpPr>
-          <p:cNvPr id="7" name="TextBox 6">
-            <a:extLst>
-              <a:ext uri="{FF2B5EF4-FFF2-40B4-BE49-F238E27FC236}">
-                <a16:creationId xmlns:a16="http://schemas.microsoft.com/office/drawing/2014/main" id="{C814D7E7-330E-8147-AB1C-1772B8BFDE3D}"/>
+          <p:cNvPr id="9" name="TextBox 8">
+            <a:extLst>
+              <a:ext uri="{FF2B5EF4-FFF2-40B4-BE49-F238E27FC236}">
+                <a16:creationId xmlns:a16="http://schemas.microsoft.com/office/drawing/2014/main" id="{DB0EFBAF-4D6F-E545-9581-657AE2266BA6}"/>
               </a:ext>
             </a:extLst>
           </p:cNvPr>
@@ -3520,7 +3525,7 @@
         </p:nvSpPr>
         <p:spPr>
           <a:xfrm>
-            <a:off x="4437104" y="2599633"/>
+            <a:off x="4505684" y="2702503"/>
             <a:ext cx="1176925" cy="276999"/>
           </a:xfrm>
           <a:prstGeom prst="rect">
@@ -3543,10 +3548,49 @@
           </a:p>
         </p:txBody>
       </p:sp>
+      <p:sp>
+        <p:nvSpPr>
+          <p:cNvPr id="4" name="TextBox 3">
+            <a:extLst>
+              <a:ext uri="{FF2B5EF4-FFF2-40B4-BE49-F238E27FC236}">
+                <a16:creationId xmlns:a16="http://schemas.microsoft.com/office/drawing/2014/main" id="{60DFFF5B-3E69-F941-89AA-B9F3C494C35C}"/>
+              </a:ext>
+            </a:extLst>
+          </p:cNvPr>
+          <p:cNvSpPr txBox="1"/>
+          <p:nvPr/>
+        </p:nvSpPr>
+        <p:spPr>
+          <a:xfrm>
+            <a:off x="3875491" y="0"/>
+            <a:ext cx="3341749" cy="369332"/>
+          </a:xfrm>
+          <a:prstGeom prst="rect">
+            <a:avLst/>
+          </a:prstGeom>
+          <a:solidFill>
+            <a:schemeClr val="bg1"/>
+          </a:solidFill>
+        </p:spPr>
+        <p:txBody>
+          <a:bodyPr wrap="none" rtlCol="0">
+            <a:spAutoFit/>
+          </a:bodyPr>
+          <a:lstStyle/>
+          <a:p>
+            <a:r>
+              <a:rPr lang="en-US" b="1" dirty="0">
+                <a:latin typeface="Times" pitchFamily="2" charset="0"/>
+              </a:rPr>
+              <a:t>Paired Common Garden Design</a:t>
+            </a:r>
+          </a:p>
+        </p:txBody>
+      </p:sp>
     </p:spTree>
     <p:extLst>
       <p:ext uri="{BB962C8B-B14F-4D97-AF65-F5344CB8AC3E}">
-        <p14:creationId xmlns:p14="http://schemas.microsoft.com/office/powerpoint/2010/main" val="305576424"/>
+        <p14:creationId xmlns:p14="http://schemas.microsoft.com/office/powerpoint/2010/main" val="116900217"/>
       </p:ext>
     </p:extLst>
   </p:cSld>
